--- a/Challenge Fiap.pptx
+++ b/Challenge Fiap.pptx
@@ -8,7 +8,8 @@
     <p:sldId id="256" r:id="rId2"/>
     <p:sldId id="257" r:id="rId3"/>
     <p:sldId id="259" r:id="rId4"/>
-    <p:sldId id="258" r:id="rId5"/>
+    <p:sldId id="260" r:id="rId5"/>
+    <p:sldId id="258" r:id="rId6"/>
   </p:sldIdLst>
   <p:sldSz cx="9144000" cy="6858000" type="screen4x3"/>
   <p:notesSz cx="6858000" cy="9144000"/>
@@ -291,6 +292,7 @@
           <a:p>
             <a:fld id="{7E004AA2-C703-4272-94CE-03A4072703BE}" type="datetimeFigureOut">
               <a:rPr lang="pt-BR" smtClean="0"/>
+              <a:pPr/>
               <a:t>24/06/2021</a:t>
             </a:fld>
             <a:endParaRPr lang="pt-BR"/>
@@ -333,6 +335,7 @@
           <a:p>
             <a:fld id="{F8661676-5579-428C-89B9-087161935535}" type="slidenum">
               <a:rPr lang="pt-BR" smtClean="0"/>
+              <a:pPr/>
               <a:t>‹nº›</a:t>
             </a:fld>
             <a:endParaRPr lang="pt-BR"/>
@@ -456,6 +459,7 @@
           <a:p>
             <a:fld id="{7E004AA2-C703-4272-94CE-03A4072703BE}" type="datetimeFigureOut">
               <a:rPr lang="pt-BR" smtClean="0"/>
+              <a:pPr/>
               <a:t>24/06/2021</a:t>
             </a:fld>
             <a:endParaRPr lang="pt-BR"/>
@@ -498,6 +502,7 @@
           <a:p>
             <a:fld id="{F8661676-5579-428C-89B9-087161935535}" type="slidenum">
               <a:rPr lang="pt-BR" smtClean="0"/>
+              <a:pPr/>
               <a:t>‹nº›</a:t>
             </a:fld>
             <a:endParaRPr lang="pt-BR"/>
@@ -631,6 +636,7 @@
           <a:p>
             <a:fld id="{7E004AA2-C703-4272-94CE-03A4072703BE}" type="datetimeFigureOut">
               <a:rPr lang="pt-BR" smtClean="0"/>
+              <a:pPr/>
               <a:t>24/06/2021</a:t>
             </a:fld>
             <a:endParaRPr lang="pt-BR"/>
@@ -673,6 +679,7 @@
           <a:p>
             <a:fld id="{F8661676-5579-428C-89B9-087161935535}" type="slidenum">
               <a:rPr lang="pt-BR" smtClean="0"/>
+              <a:pPr/>
               <a:t>‹nº›</a:t>
             </a:fld>
             <a:endParaRPr lang="pt-BR"/>
@@ -796,6 +803,7 @@
           <a:p>
             <a:fld id="{7E004AA2-C703-4272-94CE-03A4072703BE}" type="datetimeFigureOut">
               <a:rPr lang="pt-BR" smtClean="0"/>
+              <a:pPr/>
               <a:t>24/06/2021</a:t>
             </a:fld>
             <a:endParaRPr lang="pt-BR"/>
@@ -838,6 +846,7 @@
           <a:p>
             <a:fld id="{F8661676-5579-428C-89B9-087161935535}" type="slidenum">
               <a:rPr lang="pt-BR" smtClean="0"/>
+              <a:pPr/>
               <a:t>‹nº›</a:t>
             </a:fld>
             <a:endParaRPr lang="pt-BR"/>
@@ -1037,6 +1046,7 @@
           <a:p>
             <a:fld id="{7E004AA2-C703-4272-94CE-03A4072703BE}" type="datetimeFigureOut">
               <a:rPr lang="pt-BR" smtClean="0"/>
+              <a:pPr/>
               <a:t>24/06/2021</a:t>
             </a:fld>
             <a:endParaRPr lang="pt-BR"/>
@@ -1079,6 +1089,7 @@
           <a:p>
             <a:fld id="{F8661676-5579-428C-89B9-087161935535}" type="slidenum">
               <a:rPr lang="pt-BR" smtClean="0"/>
+              <a:pPr/>
               <a:t>‹nº›</a:t>
             </a:fld>
             <a:endParaRPr lang="pt-BR"/>
@@ -1320,6 +1331,7 @@
           <a:p>
             <a:fld id="{7E004AA2-C703-4272-94CE-03A4072703BE}" type="datetimeFigureOut">
               <a:rPr lang="pt-BR" smtClean="0"/>
+              <a:pPr/>
               <a:t>24/06/2021</a:t>
             </a:fld>
             <a:endParaRPr lang="pt-BR"/>
@@ -1362,6 +1374,7 @@
           <a:p>
             <a:fld id="{F8661676-5579-428C-89B9-087161935535}" type="slidenum">
               <a:rPr lang="pt-BR" smtClean="0"/>
+              <a:pPr/>
               <a:t>‹nº›</a:t>
             </a:fld>
             <a:endParaRPr lang="pt-BR"/>
@@ -1737,6 +1750,7 @@
           <a:p>
             <a:fld id="{7E004AA2-C703-4272-94CE-03A4072703BE}" type="datetimeFigureOut">
               <a:rPr lang="pt-BR" smtClean="0"/>
+              <a:pPr/>
               <a:t>24/06/2021</a:t>
             </a:fld>
             <a:endParaRPr lang="pt-BR"/>
@@ -1779,6 +1793,7 @@
           <a:p>
             <a:fld id="{F8661676-5579-428C-89B9-087161935535}" type="slidenum">
               <a:rPr lang="pt-BR" smtClean="0"/>
+              <a:pPr/>
               <a:t>‹nº›</a:t>
             </a:fld>
             <a:endParaRPr lang="pt-BR"/>
@@ -1850,6 +1865,7 @@
           <a:p>
             <a:fld id="{7E004AA2-C703-4272-94CE-03A4072703BE}" type="datetimeFigureOut">
               <a:rPr lang="pt-BR" smtClean="0"/>
+              <a:pPr/>
               <a:t>24/06/2021</a:t>
             </a:fld>
             <a:endParaRPr lang="pt-BR"/>
@@ -1892,6 +1908,7 @@
           <a:p>
             <a:fld id="{F8661676-5579-428C-89B9-087161935535}" type="slidenum">
               <a:rPr lang="pt-BR" smtClean="0"/>
+              <a:pPr/>
               <a:t>‹nº›</a:t>
             </a:fld>
             <a:endParaRPr lang="pt-BR"/>
@@ -1940,6 +1957,7 @@
           <a:p>
             <a:fld id="{7E004AA2-C703-4272-94CE-03A4072703BE}" type="datetimeFigureOut">
               <a:rPr lang="pt-BR" smtClean="0"/>
+              <a:pPr/>
               <a:t>24/06/2021</a:t>
             </a:fld>
             <a:endParaRPr lang="pt-BR"/>
@@ -1982,6 +2000,7 @@
           <a:p>
             <a:fld id="{F8661676-5579-428C-89B9-087161935535}" type="slidenum">
               <a:rPr lang="pt-BR" smtClean="0"/>
+              <a:pPr/>
               <a:t>‹nº›</a:t>
             </a:fld>
             <a:endParaRPr lang="pt-BR"/>
@@ -2212,6 +2231,7 @@
           <a:p>
             <a:fld id="{7E004AA2-C703-4272-94CE-03A4072703BE}" type="datetimeFigureOut">
               <a:rPr lang="pt-BR" smtClean="0"/>
+              <a:pPr/>
               <a:t>24/06/2021</a:t>
             </a:fld>
             <a:endParaRPr lang="pt-BR"/>
@@ -2254,6 +2274,7 @@
           <a:p>
             <a:fld id="{F8661676-5579-428C-89B9-087161935535}" type="slidenum">
               <a:rPr lang="pt-BR" smtClean="0"/>
+              <a:pPr/>
               <a:t>‹nº›</a:t>
             </a:fld>
             <a:endParaRPr lang="pt-BR"/>
@@ -2460,6 +2481,7 @@
           <a:p>
             <a:fld id="{7E004AA2-C703-4272-94CE-03A4072703BE}" type="datetimeFigureOut">
               <a:rPr lang="pt-BR" smtClean="0"/>
+              <a:pPr/>
               <a:t>24/06/2021</a:t>
             </a:fld>
             <a:endParaRPr lang="pt-BR"/>
@@ -2502,6 +2524,7 @@
           <a:p>
             <a:fld id="{F8661676-5579-428C-89B9-087161935535}" type="slidenum">
               <a:rPr lang="pt-BR" smtClean="0"/>
+              <a:pPr/>
               <a:t>‹nº›</a:t>
             </a:fld>
             <a:endParaRPr lang="pt-BR"/>
@@ -2673,6 +2696,7 @@
           <a:p>
             <a:fld id="{7E004AA2-C703-4272-94CE-03A4072703BE}" type="datetimeFigureOut">
               <a:rPr lang="pt-BR" smtClean="0"/>
+              <a:pPr/>
               <a:t>24/06/2021</a:t>
             </a:fld>
             <a:endParaRPr lang="pt-BR"/>
@@ -2751,6 +2775,7 @@
           <a:p>
             <a:fld id="{F8661676-5579-428C-89B9-087161935535}" type="slidenum">
               <a:rPr lang="pt-BR" smtClean="0"/>
+              <a:pPr/>
               <a:t>‹nº›</a:t>
             </a:fld>
             <a:endParaRPr lang="pt-BR"/>
@@ -3326,6 +3351,73 @@
 </file>
 
 <file path=ppt/slides/slide4.xml><?xml version="1.0" encoding="utf-8"?>
+<p:sld xmlns:a="http://schemas.openxmlformats.org/drawingml/2006/main" xmlns:r="http://schemas.openxmlformats.org/officeDocument/2006/relationships" xmlns:p="http://schemas.openxmlformats.org/presentationml/2006/main">
+  <p:cSld>
+    <p:spTree>
+      <p:nvGrpSpPr>
+        <p:cNvPr id="1" name=""/>
+        <p:cNvGrpSpPr/>
+        <p:nvPr/>
+      </p:nvGrpSpPr>
+      <p:grpSpPr>
+        <a:xfrm>
+          <a:off x="0" y="0"/>
+          <a:ext cx="0" cy="0"/>
+          <a:chOff x="0" y="0"/>
+          <a:chExt cx="0" cy="0"/>
+        </a:xfrm>
+      </p:grpSpPr>
+      <p:sp>
+        <p:nvSpPr>
+          <p:cNvPr id="2" name="Título 1"/>
+          <p:cNvSpPr>
+            <a:spLocks noGrp="1"/>
+          </p:cNvSpPr>
+          <p:nvPr>
+            <p:ph type="title"/>
+          </p:nvPr>
+        </p:nvSpPr>
+        <p:spPr/>
+        <p:txBody>
+          <a:bodyPr/>
+          <a:lstStyle/>
+          <a:p>
+            <a:endParaRPr lang="pt-BR"/>
+          </a:p>
+        </p:txBody>
+      </p:sp>
+      <p:pic>
+        <p:nvPicPr>
+          <p:cNvPr id="4" name="Espaço Reservado para Conteúdo 3" descr="dw.png"/>
+          <p:cNvPicPr>
+            <a:picLocks noGrp="1" noChangeAspect="1"/>
+          </p:cNvPicPr>
+          <p:nvPr>
+            <p:ph idx="1"/>
+          </p:nvPr>
+        </p:nvPicPr>
+        <p:blipFill>
+          <a:blip r:embed="rId2"/>
+          <a:stretch>
+            <a:fillRect/>
+          </a:stretch>
+        </p:blipFill>
+        <p:spPr>
+          <a:xfrm>
+            <a:off x="457200" y="1729466"/>
+            <a:ext cx="8229600" cy="4267431"/>
+          </a:xfrm>
+        </p:spPr>
+      </p:pic>
+    </p:spTree>
+  </p:cSld>
+  <p:clrMapOvr>
+    <a:masterClrMapping/>
+  </p:clrMapOvr>
+</p:sld>
+</file>
+
+<file path=ppt/slides/slide5.xml><?xml version="1.0" encoding="utf-8"?>
 <p:sld xmlns:a="http://schemas.openxmlformats.org/drawingml/2006/main" xmlns:r="http://schemas.openxmlformats.org/officeDocument/2006/relationships" xmlns:p="http://schemas.openxmlformats.org/presentationml/2006/main">
   <p:cSld>
     <p:spTree>

--- a/Challenge Fiap.pptx
+++ b/Challenge Fiap.pptx
@@ -7,9 +7,14 @@
   <p:sldIdLst>
     <p:sldId id="256" r:id="rId2"/>
     <p:sldId id="257" r:id="rId3"/>
-    <p:sldId id="259" r:id="rId4"/>
-    <p:sldId id="260" r:id="rId5"/>
-    <p:sldId id="258" r:id="rId6"/>
+    <p:sldId id="261" r:id="rId4"/>
+    <p:sldId id="262" r:id="rId5"/>
+    <p:sldId id="263" r:id="rId6"/>
+    <p:sldId id="264" r:id="rId7"/>
+    <p:sldId id="265" r:id="rId8"/>
+    <p:sldId id="260" r:id="rId9"/>
+    <p:sldId id="259" r:id="rId10"/>
+    <p:sldId id="258" r:id="rId11"/>
   </p:sldIdLst>
   <p:sldSz cx="9144000" cy="6858000" type="screen4x3"/>
   <p:notesSz cx="6858000" cy="9144000"/>
@@ -3168,6 +3173,150 @@
 </p:sld>
 </file>
 
+<file path=ppt/slides/slide10.xml><?xml version="1.0" encoding="utf-8"?>
+<p:sld xmlns:a="http://schemas.openxmlformats.org/drawingml/2006/main" xmlns:r="http://schemas.openxmlformats.org/officeDocument/2006/relationships" xmlns:p="http://schemas.openxmlformats.org/presentationml/2006/main">
+  <p:cSld>
+    <p:spTree>
+      <p:nvGrpSpPr>
+        <p:cNvPr id="1" name=""/>
+        <p:cNvGrpSpPr/>
+        <p:nvPr/>
+      </p:nvGrpSpPr>
+      <p:grpSpPr>
+        <a:xfrm>
+          <a:off x="0" y="0"/>
+          <a:ext cx="0" cy="0"/>
+          <a:chOff x="0" y="0"/>
+          <a:chExt cx="0" cy="0"/>
+        </a:xfrm>
+      </p:grpSpPr>
+      <p:sp>
+        <p:nvSpPr>
+          <p:cNvPr id="2" name="Título 1"/>
+          <p:cNvSpPr>
+            <a:spLocks noGrp="1"/>
+          </p:cNvSpPr>
+          <p:nvPr>
+            <p:ph type="title"/>
+          </p:nvPr>
+        </p:nvSpPr>
+        <p:spPr/>
+        <p:txBody>
+          <a:bodyPr/>
+          <a:lstStyle/>
+          <a:p>
+            <a:r>
+              <a:rPr lang="pt-BR" dirty="0" smtClean="0"/>
+              <a:t>Integrantes do Grupo</a:t>
+            </a:r>
+            <a:endParaRPr lang="pt-BR" dirty="0"/>
+          </a:p>
+        </p:txBody>
+      </p:sp>
+      <p:sp>
+        <p:nvSpPr>
+          <p:cNvPr id="3" name="Espaço Reservado para Conteúdo 2"/>
+          <p:cNvSpPr>
+            <a:spLocks noGrp="1"/>
+          </p:cNvSpPr>
+          <p:nvPr>
+            <p:ph idx="1"/>
+          </p:nvPr>
+        </p:nvSpPr>
+        <p:spPr/>
+        <p:txBody>
+          <a:bodyPr/>
+          <a:lstStyle/>
+          <a:p>
+            <a:pPr algn="just"/>
+            <a:r>
+              <a:rPr lang="pt-BR" dirty="0" smtClean="0"/>
+              <a:t>Elvis de Andrade Santos</a:t>
+            </a:r>
+          </a:p>
+          <a:p>
+            <a:pPr algn="just"/>
+            <a:r>
+              <a:rPr lang="pt-BR" dirty="0" smtClean="0"/>
+              <a:t>Guilherme Santiago </a:t>
+            </a:r>
+            <a:r>
+              <a:rPr lang="pt-BR" dirty="0" err="1" smtClean="0"/>
+              <a:t>Beluci</a:t>
+            </a:r>
+            <a:r>
+              <a:rPr lang="pt-BR" dirty="0" smtClean="0"/>
+              <a:t> da Silva </a:t>
+            </a:r>
+          </a:p>
+          <a:p>
+            <a:pPr algn="just"/>
+            <a:r>
+              <a:rPr lang="pt-BR" dirty="0" smtClean="0"/>
+              <a:t>Vinicius </a:t>
+            </a:r>
+            <a:r>
+              <a:rPr lang="pt-BR" dirty="0" err="1" smtClean="0"/>
+              <a:t>Zanatta</a:t>
+            </a:r>
+            <a:r>
+              <a:rPr lang="pt-BR" dirty="0" smtClean="0"/>
+              <a:t> de Andrade </a:t>
+            </a:r>
+          </a:p>
+          <a:p>
+            <a:pPr algn="just"/>
+            <a:r>
+              <a:rPr lang="pt-BR" dirty="0" smtClean="0"/>
+              <a:t>Matheus </a:t>
+            </a:r>
+            <a:r>
+              <a:rPr lang="pt-BR" dirty="0" err="1" smtClean="0"/>
+              <a:t>Brancalhão</a:t>
+            </a:r>
+            <a:endParaRPr lang="pt-BR" dirty="0"/>
+          </a:p>
+        </p:txBody>
+      </p:sp>
+      <p:pic>
+        <p:nvPicPr>
+          <p:cNvPr id="4" name="Espaço Reservado para Conteúdo 3" descr="cyrela-logo.png"/>
+          <p:cNvPicPr>
+            <a:picLocks noChangeAspect="1"/>
+          </p:cNvPicPr>
+          <p:nvPr/>
+        </p:nvPicPr>
+        <p:blipFill>
+          <a:blip r:embed="rId2" cstate="print"/>
+          <a:stretch>
+            <a:fillRect/>
+          </a:stretch>
+        </p:blipFill>
+        <p:spPr>
+          <a:xfrm>
+            <a:off x="6574736" y="6000768"/>
+            <a:ext cx="2214119" cy="593531"/>
+          </a:xfrm>
+          <a:prstGeom prst="rect">
+            <a:avLst/>
+          </a:prstGeom>
+        </p:spPr>
+      </p:pic>
+    </p:spTree>
+  </p:cSld>
+  <p:clrMapOvr>
+    <a:masterClrMapping/>
+  </p:clrMapOvr>
+  <p:timing>
+    <p:tnLst>
+      <p:par>
+        <p:cTn id="1" dur="indefinite" restart="never" nodeType="tmRoot"/>
+      </p:par>
+    </p:tnLst>
+  </p:timing>
+</p:sld>
+</file>
+
 <file path=ppt/slides/slide2.xml><?xml version="1.0" encoding="utf-8"?>
 <p:sld xmlns:a="http://schemas.openxmlformats.org/drawingml/2006/main" xmlns:r="http://schemas.openxmlformats.org/officeDocument/2006/relationships" xmlns:p="http://schemas.openxmlformats.org/presentationml/2006/main">
   <p:cSld>
@@ -3300,38 +3449,132 @@
           <a:bodyPr/>
           <a:lstStyle/>
           <a:p>
-            <a:endParaRPr lang="pt-BR"/>
-          </a:p>
-        </p:txBody>
-      </p:sp>
-      <p:sp>
-        <p:nvSpPr>
-          <p:cNvPr id="3" name="Espaço Reservado para Conteúdo 2"/>
-          <p:cNvSpPr>
-            <a:spLocks noGrp="1"/>
-          </p:cNvSpPr>
+            <a:r>
+              <a:rPr lang="pt-BR" dirty="0" smtClean="0">
+                <a:solidFill>
+                  <a:srgbClr val="928A8F"/>
+                </a:solidFill>
+              </a:rPr>
+              <a:t>Total de clientes por marca</a:t>
+            </a:r>
+            <a:endParaRPr lang="pt-BR" dirty="0">
+              <a:solidFill>
+                <a:srgbClr val="928A8F"/>
+              </a:solidFill>
+            </a:endParaRPr>
+          </a:p>
+        </p:txBody>
+      </p:sp>
+      <p:pic>
+        <p:nvPicPr>
+          <p:cNvPr id="1026" name="Picture 2"/>
+          <p:cNvPicPr>
+            <a:picLocks noGrp="1" noChangeAspect="1" noChangeArrowheads="1"/>
+          </p:cNvPicPr>
           <p:nvPr>
             <p:ph idx="1"/>
           </p:nvPr>
-        </p:nvSpPr>
-        <p:spPr/>
-        <p:txBody>
-          <a:bodyPr/>
-          <a:lstStyle/>
-          <a:p>
-            <a:r>
-              <a:rPr lang="en-US" dirty="0" err="1" smtClean="0">
-                <a:hlinkClick r:id="rId2"/>
+        </p:nvPicPr>
+        <p:blipFill>
+          <a:blip r:embed="rId2"/>
+          <a:srcRect/>
+          <a:stretch>
+            <a:fillRect/>
+          </a:stretch>
+        </p:blipFill>
+        <p:spPr bwMode="auto">
+          <a:xfrm>
+            <a:off x="428596" y="1857364"/>
+            <a:ext cx="3771900" cy="3009900"/>
+          </a:xfrm>
+          <a:prstGeom prst="rect">
+            <a:avLst/>
+          </a:prstGeom>
+          <a:noFill/>
+          <a:ln w="9525">
+            <a:noFill/>
+            <a:miter lim="800000"/>
+            <a:headEnd/>
+            <a:tailEnd/>
+          </a:ln>
+          <a:effectLst/>
+        </p:spPr>
+      </p:pic>
+      <p:pic>
+        <p:nvPicPr>
+          <p:cNvPr id="6" name="Espaço Reservado para Conteúdo 3" descr="cyrela-logo.png"/>
+          <p:cNvPicPr>
+            <a:picLocks noChangeAspect="1"/>
+          </p:cNvPicPr>
+          <p:nvPr/>
+        </p:nvPicPr>
+        <p:blipFill>
+          <a:blip r:embed="rId3" cstate="print"/>
+          <a:stretch>
+            <a:fillRect/>
+          </a:stretch>
+        </p:blipFill>
+        <p:spPr>
+          <a:xfrm>
+            <a:off x="6574736" y="6000768"/>
+            <a:ext cx="2214119" cy="593531"/>
+          </a:xfrm>
+          <a:prstGeom prst="rect">
+            <a:avLst/>
+          </a:prstGeom>
+        </p:spPr>
+      </p:pic>
+      <p:sp>
+        <p:nvSpPr>
+          <p:cNvPr id="7" name="CaixaDeTexto 6"/>
+          <p:cNvSpPr txBox="1"/>
+          <p:nvPr/>
+        </p:nvSpPr>
+        <p:spPr>
+          <a:xfrm>
+            <a:off x="4643438" y="1857364"/>
+            <a:ext cx="3643338" cy="923330"/>
+          </a:xfrm>
+          <a:prstGeom prst="rect">
+            <a:avLst/>
+          </a:prstGeom>
+          <a:noFill/>
+        </p:spPr>
+        <p:txBody>
+          <a:bodyPr wrap="square" rtlCol="0">
+            <a:spAutoFit/>
+          </a:bodyPr>
+          <a:lstStyle/>
+          <a:p>
+            <a:r>
+              <a:rPr lang="pt-BR" dirty="0" smtClean="0">
+                <a:solidFill>
+                  <a:srgbClr val="928A8F"/>
+                </a:solidFill>
               </a:rPr>
-              <a:t>Cyrela</a:t>
-            </a:r>
-            <a:r>
-              <a:rPr lang="en-US" smtClean="0">
-                <a:hlinkClick r:id="rId2"/>
+              <a:t>Através de um gráfico de pizza, este </a:t>
+            </a:r>
+            <a:r>
+              <a:rPr lang="pt-BR" dirty="0" err="1" smtClean="0">
+                <a:solidFill>
+                  <a:srgbClr val="928A8F"/>
+                </a:solidFill>
               </a:rPr>
-              <a:t> Dashboard - Power BI Online</a:t>
-            </a:r>
-            <a:endParaRPr lang="pt-BR"/>
+              <a:t>card</a:t>
+            </a:r>
+            <a:r>
+              <a:rPr lang="pt-BR" dirty="0" smtClean="0">
+                <a:solidFill>
+                  <a:srgbClr val="928A8F"/>
+                </a:solidFill>
+              </a:rPr>
+              <a:t> mostra o percentual de clientes por marcas.</a:t>
+            </a:r>
+            <a:endParaRPr lang="pt-BR" dirty="0">
+              <a:solidFill>
+                <a:srgbClr val="928A8F"/>
+              </a:solidFill>
+            </a:endParaRPr>
           </a:p>
         </p:txBody>
       </p:sp>
@@ -3340,13 +3583,6 @@
   <p:clrMapOvr>
     <a:masterClrMapping/>
   </p:clrMapOvr>
-  <p:timing>
-    <p:tnLst>
-      <p:par>
-        <p:cTn id="1" dur="indefinite" restart="never" nodeType="tmRoot"/>
-      </p:par>
-    </p:tnLst>
-  </p:timing>
 </p:sld>
 </file>
 
@@ -3382,15 +3618,27 @@
           <a:bodyPr/>
           <a:lstStyle/>
           <a:p>
-            <a:endParaRPr lang="pt-BR"/>
+            <a:r>
+              <a:rPr lang="pt-BR" dirty="0" smtClean="0">
+                <a:solidFill>
+                  <a:srgbClr val="928A8F"/>
+                </a:solidFill>
+              </a:rPr>
+              <a:t>Total de clientes por região</a:t>
+            </a:r>
+            <a:endParaRPr lang="pt-BR" dirty="0">
+              <a:solidFill>
+                <a:srgbClr val="928A8F"/>
+              </a:solidFill>
+            </a:endParaRPr>
           </a:p>
         </p:txBody>
       </p:sp>
       <p:pic>
         <p:nvPicPr>
-          <p:cNvPr id="4" name="Espaço Reservado para Conteúdo 3" descr="dw.png"/>
+          <p:cNvPr id="2050" name="Picture 2"/>
           <p:cNvPicPr>
-            <a:picLocks noGrp="1" noChangeAspect="1"/>
+            <a:picLocks noGrp="1" noChangeAspect="1" noChangeArrowheads="1"/>
           </p:cNvPicPr>
           <p:nvPr>
             <p:ph idx="1"/>
@@ -3398,17 +3646,107 @@
         </p:nvPicPr>
         <p:blipFill>
           <a:blip r:embed="rId2"/>
+          <a:srcRect/>
+          <a:stretch>
+            <a:fillRect/>
+          </a:stretch>
+        </p:blipFill>
+        <p:spPr bwMode="auto">
+          <a:xfrm>
+            <a:off x="500034" y="1928802"/>
+            <a:ext cx="3781425" cy="3019425"/>
+          </a:xfrm>
+          <a:prstGeom prst="rect">
+            <a:avLst/>
+          </a:prstGeom>
+          <a:noFill/>
+          <a:ln w="9525">
+            <a:noFill/>
+            <a:miter lim="800000"/>
+            <a:headEnd/>
+            <a:tailEnd/>
+          </a:ln>
+          <a:effectLst/>
+        </p:spPr>
+      </p:pic>
+      <p:pic>
+        <p:nvPicPr>
+          <p:cNvPr id="5" name="Espaço Reservado para Conteúdo 3" descr="cyrela-logo.png"/>
+          <p:cNvPicPr>
+            <a:picLocks noChangeAspect="1"/>
+          </p:cNvPicPr>
+          <p:nvPr/>
+        </p:nvPicPr>
+        <p:blipFill>
+          <a:blip r:embed="rId3" cstate="print"/>
           <a:stretch>
             <a:fillRect/>
           </a:stretch>
         </p:blipFill>
         <p:spPr>
           <a:xfrm>
-            <a:off x="457200" y="1729466"/>
-            <a:ext cx="8229600" cy="4267431"/>
-          </a:xfrm>
+            <a:off x="6574736" y="6000768"/>
+            <a:ext cx="2214119" cy="593531"/>
+          </a:xfrm>
+          <a:prstGeom prst="rect">
+            <a:avLst/>
+          </a:prstGeom>
         </p:spPr>
       </p:pic>
+      <p:sp>
+        <p:nvSpPr>
+          <p:cNvPr id="6" name="CaixaDeTexto 5"/>
+          <p:cNvSpPr txBox="1"/>
+          <p:nvPr/>
+        </p:nvSpPr>
+        <p:spPr>
+          <a:xfrm>
+            <a:off x="4714876" y="1928802"/>
+            <a:ext cx="3357586" cy="923330"/>
+          </a:xfrm>
+          <a:prstGeom prst="rect">
+            <a:avLst/>
+          </a:prstGeom>
+          <a:noFill/>
+        </p:spPr>
+        <p:txBody>
+          <a:bodyPr wrap="square" rtlCol="0">
+            <a:spAutoFit/>
+          </a:bodyPr>
+          <a:lstStyle/>
+          <a:p>
+            <a:r>
+              <a:rPr lang="pt-BR" dirty="0" smtClean="0">
+                <a:solidFill>
+                  <a:srgbClr val="928A8F"/>
+                </a:solidFill>
+              </a:rPr>
+              <a:t>Este </a:t>
+            </a:r>
+            <a:r>
+              <a:rPr lang="pt-BR" dirty="0" err="1" smtClean="0">
+                <a:solidFill>
+                  <a:srgbClr val="928A8F"/>
+                </a:solidFill>
+              </a:rPr>
+              <a:t>card</a:t>
+            </a:r>
+            <a:r>
+              <a:rPr lang="pt-BR" dirty="0" smtClean="0">
+                <a:solidFill>
+                  <a:srgbClr val="928A8F"/>
+                </a:solidFill>
+              </a:rPr>
+              <a:t> mostra o total de clientes por região através de um gráfico de barras.</a:t>
+            </a:r>
+            <a:endParaRPr lang="pt-BR" dirty="0">
+              <a:solidFill>
+                <a:srgbClr val="928A8F"/>
+              </a:solidFill>
+            </a:endParaRPr>
+          </a:p>
+        </p:txBody>
+      </p:sp>
     </p:spTree>
   </p:cSld>
   <p:clrMapOvr>
@@ -3450,13 +3788,613 @@
           <a:lstStyle/>
           <a:p>
             <a:r>
+              <a:rPr lang="pt-BR" dirty="0" smtClean="0">
+                <a:solidFill>
+                  <a:srgbClr val="928A8F"/>
+                </a:solidFill>
+              </a:rPr>
+              <a:t>VGV por região e marca</a:t>
+            </a:r>
+            <a:endParaRPr lang="pt-BR" dirty="0">
+              <a:solidFill>
+                <a:srgbClr val="928A8F"/>
+              </a:solidFill>
+            </a:endParaRPr>
+          </a:p>
+        </p:txBody>
+      </p:sp>
+      <p:pic>
+        <p:nvPicPr>
+          <p:cNvPr id="3074" name="Picture 2"/>
+          <p:cNvPicPr>
+            <a:picLocks noChangeAspect="1" noChangeArrowheads="1"/>
+          </p:cNvPicPr>
+          <p:nvPr/>
+        </p:nvPicPr>
+        <p:blipFill>
+          <a:blip r:embed="rId2"/>
+          <a:srcRect/>
+          <a:stretch>
+            <a:fillRect/>
+          </a:stretch>
+        </p:blipFill>
+        <p:spPr bwMode="auto">
+          <a:xfrm>
+            <a:off x="500034" y="1857364"/>
+            <a:ext cx="3733800" cy="3019425"/>
+          </a:xfrm>
+          <a:prstGeom prst="rect">
+            <a:avLst/>
+          </a:prstGeom>
+          <a:noFill/>
+          <a:ln w="9525">
+            <a:noFill/>
+            <a:miter lim="800000"/>
+            <a:headEnd/>
+            <a:tailEnd/>
+          </a:ln>
+          <a:effectLst/>
+        </p:spPr>
+      </p:pic>
+      <p:sp>
+        <p:nvSpPr>
+          <p:cNvPr id="5" name="CaixaDeTexto 4"/>
+          <p:cNvSpPr txBox="1"/>
+          <p:nvPr/>
+        </p:nvSpPr>
+        <p:spPr>
+          <a:xfrm>
+            <a:off x="4500562" y="1857364"/>
+            <a:ext cx="3643338" cy="923330"/>
+          </a:xfrm>
+          <a:prstGeom prst="rect">
+            <a:avLst/>
+          </a:prstGeom>
+          <a:noFill/>
+        </p:spPr>
+        <p:txBody>
+          <a:bodyPr wrap="square" rtlCol="0">
+            <a:spAutoFit/>
+          </a:bodyPr>
+          <a:lstStyle/>
+          <a:p>
+            <a:r>
+              <a:rPr lang="pt-BR" dirty="0" smtClean="0">
+                <a:solidFill>
+                  <a:srgbClr val="928A8F"/>
+                </a:solidFill>
+              </a:rPr>
+              <a:t>Este </a:t>
+            </a:r>
+            <a:r>
+              <a:rPr lang="pt-BR" dirty="0" err="1" smtClean="0">
+                <a:solidFill>
+                  <a:srgbClr val="928A8F"/>
+                </a:solidFill>
+              </a:rPr>
+              <a:t>card</a:t>
+            </a:r>
+            <a:r>
+              <a:rPr lang="pt-BR" dirty="0" smtClean="0">
+                <a:solidFill>
+                  <a:srgbClr val="928A8F"/>
+                </a:solidFill>
+              </a:rPr>
+              <a:t> mostra a soma do VGV por região e marca através de um gráfico de barras horizontal.</a:t>
+            </a:r>
+            <a:endParaRPr lang="pt-BR" dirty="0">
+              <a:solidFill>
+                <a:srgbClr val="928A8F"/>
+              </a:solidFill>
+            </a:endParaRPr>
+          </a:p>
+        </p:txBody>
+      </p:sp>
+      <p:pic>
+        <p:nvPicPr>
+          <p:cNvPr id="6" name="Espaço Reservado para Conteúdo 3" descr="cyrela-logo.png"/>
+          <p:cNvPicPr>
+            <a:picLocks noChangeAspect="1"/>
+          </p:cNvPicPr>
+          <p:nvPr/>
+        </p:nvPicPr>
+        <p:blipFill>
+          <a:blip r:embed="rId3" cstate="print"/>
+          <a:stretch>
+            <a:fillRect/>
+          </a:stretch>
+        </p:blipFill>
+        <p:spPr>
+          <a:xfrm>
+            <a:off x="6574736" y="6000768"/>
+            <a:ext cx="2214119" cy="593531"/>
+          </a:xfrm>
+          <a:prstGeom prst="rect">
+            <a:avLst/>
+          </a:prstGeom>
+        </p:spPr>
+      </p:pic>
+    </p:spTree>
+  </p:cSld>
+  <p:clrMapOvr>
+    <a:masterClrMapping/>
+  </p:clrMapOvr>
+</p:sld>
+</file>
+
+<file path=ppt/slides/slide6.xml><?xml version="1.0" encoding="utf-8"?>
+<p:sld xmlns:a="http://schemas.openxmlformats.org/drawingml/2006/main" xmlns:r="http://schemas.openxmlformats.org/officeDocument/2006/relationships" xmlns:p="http://schemas.openxmlformats.org/presentationml/2006/main">
+  <p:cSld>
+    <p:spTree>
+      <p:nvGrpSpPr>
+        <p:cNvPr id="1" name=""/>
+        <p:cNvGrpSpPr/>
+        <p:nvPr/>
+      </p:nvGrpSpPr>
+      <p:grpSpPr>
+        <a:xfrm>
+          <a:off x="0" y="0"/>
+          <a:ext cx="0" cy="0"/>
+          <a:chOff x="0" y="0"/>
+          <a:chExt cx="0" cy="0"/>
+        </a:xfrm>
+      </p:grpSpPr>
+      <p:sp>
+        <p:nvSpPr>
+          <p:cNvPr id="2" name="Título 1"/>
+          <p:cNvSpPr>
+            <a:spLocks noGrp="1"/>
+          </p:cNvSpPr>
+          <p:nvPr>
+            <p:ph type="title"/>
+          </p:nvPr>
+        </p:nvSpPr>
+        <p:spPr/>
+        <p:txBody>
+          <a:bodyPr/>
+          <a:lstStyle/>
+          <a:p>
+            <a:r>
+              <a:rPr lang="pt-BR" dirty="0" smtClean="0">
+                <a:solidFill>
+                  <a:srgbClr val="928A8F"/>
+                </a:solidFill>
+              </a:rPr>
+              <a:t>Média de saldo devedor por região</a:t>
+            </a:r>
+            <a:endParaRPr lang="pt-BR" dirty="0">
+              <a:solidFill>
+                <a:srgbClr val="928A8F"/>
+              </a:solidFill>
+            </a:endParaRPr>
+          </a:p>
+        </p:txBody>
+      </p:sp>
+      <p:pic>
+        <p:nvPicPr>
+          <p:cNvPr id="4098" name="Picture 2"/>
+          <p:cNvPicPr>
+            <a:picLocks noGrp="1" noChangeAspect="1" noChangeArrowheads="1"/>
+          </p:cNvPicPr>
+          <p:nvPr>
+            <p:ph idx="1"/>
+          </p:nvPr>
+        </p:nvPicPr>
+        <p:blipFill>
+          <a:blip r:embed="rId2"/>
+          <a:srcRect/>
+          <a:stretch>
+            <a:fillRect/>
+          </a:stretch>
+        </p:blipFill>
+        <p:spPr bwMode="auto">
+          <a:xfrm>
+            <a:off x="428596" y="1785926"/>
+            <a:ext cx="3733800" cy="2981325"/>
+          </a:xfrm>
+          <a:prstGeom prst="rect">
+            <a:avLst/>
+          </a:prstGeom>
+          <a:noFill/>
+          <a:ln w="9525">
+            <a:noFill/>
+            <a:miter lim="800000"/>
+            <a:headEnd/>
+            <a:tailEnd/>
+          </a:ln>
+          <a:effectLst/>
+        </p:spPr>
+      </p:pic>
+      <p:sp>
+        <p:nvSpPr>
+          <p:cNvPr id="5" name="CaixaDeTexto 4"/>
+          <p:cNvSpPr txBox="1"/>
+          <p:nvPr/>
+        </p:nvSpPr>
+        <p:spPr>
+          <a:xfrm>
+            <a:off x="4429124" y="1785926"/>
+            <a:ext cx="4214842" cy="646331"/>
+          </a:xfrm>
+          <a:prstGeom prst="rect">
+            <a:avLst/>
+          </a:prstGeom>
+          <a:noFill/>
+        </p:spPr>
+        <p:txBody>
+          <a:bodyPr wrap="square" rtlCol="0">
+            <a:spAutoFit/>
+          </a:bodyPr>
+          <a:lstStyle/>
+          <a:p>
+            <a:r>
+              <a:rPr lang="pt-BR" dirty="0" smtClean="0">
+                <a:solidFill>
+                  <a:srgbClr val="928A8F"/>
+                </a:solidFill>
+              </a:rPr>
+              <a:t>Este </a:t>
+            </a:r>
+            <a:r>
+              <a:rPr lang="pt-BR" dirty="0" err="1" smtClean="0">
+                <a:solidFill>
+                  <a:srgbClr val="928A8F"/>
+                </a:solidFill>
+              </a:rPr>
+              <a:t>card</a:t>
+            </a:r>
+            <a:r>
+              <a:rPr lang="pt-BR" dirty="0" smtClean="0">
+                <a:solidFill>
+                  <a:srgbClr val="928A8F"/>
+                </a:solidFill>
+              </a:rPr>
+              <a:t> mostra a média de saldo devedor por região através de um gráfico de rosca.</a:t>
+            </a:r>
+            <a:endParaRPr lang="pt-BR" dirty="0">
+              <a:solidFill>
+                <a:srgbClr val="928A8F"/>
+              </a:solidFill>
+            </a:endParaRPr>
+          </a:p>
+        </p:txBody>
+      </p:sp>
+      <p:pic>
+        <p:nvPicPr>
+          <p:cNvPr id="6" name="Espaço Reservado para Conteúdo 3" descr="cyrela-logo.png"/>
+          <p:cNvPicPr>
+            <a:picLocks noChangeAspect="1"/>
+          </p:cNvPicPr>
+          <p:nvPr/>
+        </p:nvPicPr>
+        <p:blipFill>
+          <a:blip r:embed="rId3" cstate="print"/>
+          <a:stretch>
+            <a:fillRect/>
+          </a:stretch>
+        </p:blipFill>
+        <p:spPr>
+          <a:xfrm>
+            <a:off x="6574736" y="6000768"/>
+            <a:ext cx="2214119" cy="593531"/>
+          </a:xfrm>
+          <a:prstGeom prst="rect">
+            <a:avLst/>
+          </a:prstGeom>
+        </p:spPr>
+      </p:pic>
+    </p:spTree>
+  </p:cSld>
+  <p:clrMapOvr>
+    <a:masterClrMapping/>
+  </p:clrMapOvr>
+</p:sld>
+</file>
+
+<file path=ppt/slides/slide7.xml><?xml version="1.0" encoding="utf-8"?>
+<p:sld xmlns:a="http://schemas.openxmlformats.org/drawingml/2006/main" xmlns:r="http://schemas.openxmlformats.org/officeDocument/2006/relationships" xmlns:p="http://schemas.openxmlformats.org/presentationml/2006/main">
+  <p:cSld>
+    <p:spTree>
+      <p:nvGrpSpPr>
+        <p:cNvPr id="1" name=""/>
+        <p:cNvGrpSpPr/>
+        <p:nvPr/>
+      </p:nvGrpSpPr>
+      <p:grpSpPr>
+        <a:xfrm>
+          <a:off x="0" y="0"/>
+          <a:ext cx="0" cy="0"/>
+          <a:chOff x="0" y="0"/>
+          <a:chExt cx="0" cy="0"/>
+        </a:xfrm>
+      </p:grpSpPr>
+      <p:sp>
+        <p:nvSpPr>
+          <p:cNvPr id="2" name="Título 1"/>
+          <p:cNvSpPr>
+            <a:spLocks noGrp="1"/>
+          </p:cNvSpPr>
+          <p:nvPr>
+            <p:ph type="title"/>
+          </p:nvPr>
+        </p:nvSpPr>
+        <p:spPr/>
+        <p:txBody>
+          <a:bodyPr/>
+          <a:lstStyle/>
+          <a:p>
+            <a:r>
+              <a:rPr lang="pt-BR" dirty="0" smtClean="0">
+                <a:solidFill>
+                  <a:srgbClr val="928A8F"/>
+                </a:solidFill>
+              </a:rPr>
+              <a:t>Clientes por atividade no portal</a:t>
+            </a:r>
+            <a:endParaRPr lang="pt-BR" dirty="0">
+              <a:solidFill>
+                <a:srgbClr val="928A8F"/>
+              </a:solidFill>
+            </a:endParaRPr>
+          </a:p>
+        </p:txBody>
+      </p:sp>
+      <p:pic>
+        <p:nvPicPr>
+          <p:cNvPr id="5122" name="Picture 2"/>
+          <p:cNvPicPr>
+            <a:picLocks noGrp="1" noChangeAspect="1" noChangeArrowheads="1"/>
+          </p:cNvPicPr>
+          <p:nvPr>
+            <p:ph idx="1"/>
+          </p:nvPr>
+        </p:nvPicPr>
+        <p:blipFill>
+          <a:blip r:embed="rId2"/>
+          <a:srcRect/>
+          <a:stretch>
+            <a:fillRect/>
+          </a:stretch>
+        </p:blipFill>
+        <p:spPr bwMode="auto">
+          <a:xfrm>
+            <a:off x="928662" y="1714488"/>
+            <a:ext cx="7410450" cy="2990850"/>
+          </a:xfrm>
+          <a:prstGeom prst="rect">
+            <a:avLst/>
+          </a:prstGeom>
+          <a:noFill/>
+          <a:ln w="9525">
+            <a:noFill/>
+            <a:miter lim="800000"/>
+            <a:headEnd/>
+            <a:tailEnd/>
+          </a:ln>
+          <a:effectLst/>
+        </p:spPr>
+      </p:pic>
+      <p:pic>
+        <p:nvPicPr>
+          <p:cNvPr id="5" name="Espaço Reservado para Conteúdo 3" descr="cyrela-logo.png"/>
+          <p:cNvPicPr>
+            <a:picLocks noChangeAspect="1"/>
+          </p:cNvPicPr>
+          <p:nvPr/>
+        </p:nvPicPr>
+        <p:blipFill>
+          <a:blip r:embed="rId3" cstate="print"/>
+          <a:stretch>
+            <a:fillRect/>
+          </a:stretch>
+        </p:blipFill>
+        <p:spPr>
+          <a:xfrm>
+            <a:off x="6574736" y="6000768"/>
+            <a:ext cx="2214119" cy="593531"/>
+          </a:xfrm>
+          <a:prstGeom prst="rect">
+            <a:avLst/>
+          </a:prstGeom>
+        </p:spPr>
+      </p:pic>
+      <p:sp>
+        <p:nvSpPr>
+          <p:cNvPr id="6" name="CaixaDeTexto 5"/>
+          <p:cNvSpPr txBox="1"/>
+          <p:nvPr/>
+        </p:nvSpPr>
+        <p:spPr>
+          <a:xfrm>
+            <a:off x="1000100" y="5000636"/>
+            <a:ext cx="7358115" cy="646331"/>
+          </a:xfrm>
+          <a:prstGeom prst="rect">
+            <a:avLst/>
+          </a:prstGeom>
+          <a:noFill/>
+        </p:spPr>
+        <p:txBody>
+          <a:bodyPr wrap="square" rtlCol="0">
+            <a:spAutoFit/>
+          </a:bodyPr>
+          <a:lstStyle/>
+          <a:p>
+            <a:r>
+              <a:rPr lang="pt-BR" dirty="0" smtClean="0">
+                <a:solidFill>
+                  <a:srgbClr val="928A8F"/>
+                </a:solidFill>
+              </a:rPr>
+              <a:t>Este </a:t>
+            </a:r>
+            <a:r>
+              <a:rPr lang="pt-BR" dirty="0" err="1" smtClean="0">
+                <a:solidFill>
+                  <a:srgbClr val="928A8F"/>
+                </a:solidFill>
+              </a:rPr>
+              <a:t>card</a:t>
+            </a:r>
+            <a:r>
+              <a:rPr lang="pt-BR" dirty="0" smtClean="0">
+                <a:solidFill>
+                  <a:srgbClr val="928A8F"/>
+                </a:solidFill>
+              </a:rPr>
+              <a:t> mostra o número de clientes por atividades no portal em um gráfico de barras horizontal.</a:t>
+            </a:r>
+            <a:endParaRPr lang="pt-BR" dirty="0">
+              <a:solidFill>
+                <a:srgbClr val="928A8F"/>
+              </a:solidFill>
+            </a:endParaRPr>
+          </a:p>
+        </p:txBody>
+      </p:sp>
+    </p:spTree>
+  </p:cSld>
+  <p:clrMapOvr>
+    <a:masterClrMapping/>
+  </p:clrMapOvr>
+</p:sld>
+</file>
+
+<file path=ppt/slides/slide8.xml><?xml version="1.0" encoding="utf-8"?>
+<p:sld xmlns:a="http://schemas.openxmlformats.org/drawingml/2006/main" xmlns:r="http://schemas.openxmlformats.org/officeDocument/2006/relationships" xmlns:p="http://schemas.openxmlformats.org/presentationml/2006/main">
+  <p:cSld>
+    <p:spTree>
+      <p:nvGrpSpPr>
+        <p:cNvPr id="1" name=""/>
+        <p:cNvGrpSpPr/>
+        <p:nvPr/>
+      </p:nvGrpSpPr>
+      <p:grpSpPr>
+        <a:xfrm>
+          <a:off x="0" y="0"/>
+          <a:ext cx="0" cy="0"/>
+          <a:chOff x="0" y="0"/>
+          <a:chExt cx="0" cy="0"/>
+        </a:xfrm>
+      </p:grpSpPr>
+      <p:sp>
+        <p:nvSpPr>
+          <p:cNvPr id="2" name="Título 1"/>
+          <p:cNvSpPr>
+            <a:spLocks noGrp="1"/>
+          </p:cNvSpPr>
+          <p:nvPr>
+            <p:ph type="title"/>
+          </p:nvPr>
+        </p:nvSpPr>
+        <p:spPr/>
+        <p:txBody>
+          <a:bodyPr/>
+          <a:lstStyle/>
+          <a:p>
+            <a:r>
               <a:rPr lang="pt-BR" dirty="0" smtClean="0"/>
-              <a:t>Integrantes do Grupo</a:t>
+              <a:t>Data Warehouse</a:t>
             </a:r>
             <a:endParaRPr lang="pt-BR" dirty="0"/>
           </a:p>
         </p:txBody>
       </p:sp>
+      <p:pic>
+        <p:nvPicPr>
+          <p:cNvPr id="4" name="Espaço Reservado para Conteúdo 3" descr="dw.png"/>
+          <p:cNvPicPr>
+            <a:picLocks noGrp="1" noChangeAspect="1"/>
+          </p:cNvPicPr>
+          <p:nvPr>
+            <p:ph idx="1"/>
+          </p:nvPr>
+        </p:nvPicPr>
+        <p:blipFill>
+          <a:blip r:embed="rId2"/>
+          <a:stretch>
+            <a:fillRect/>
+          </a:stretch>
+        </p:blipFill>
+        <p:spPr>
+          <a:xfrm>
+            <a:off x="457200" y="1729466"/>
+            <a:ext cx="8229600" cy="4267431"/>
+          </a:xfrm>
+        </p:spPr>
+      </p:pic>
+      <p:pic>
+        <p:nvPicPr>
+          <p:cNvPr id="5" name="Espaço Reservado para Conteúdo 3" descr="cyrela-logo.png"/>
+          <p:cNvPicPr>
+            <a:picLocks noChangeAspect="1"/>
+          </p:cNvPicPr>
+          <p:nvPr/>
+        </p:nvPicPr>
+        <p:blipFill>
+          <a:blip r:embed="rId3" cstate="print"/>
+          <a:stretch>
+            <a:fillRect/>
+          </a:stretch>
+        </p:blipFill>
+        <p:spPr>
+          <a:xfrm>
+            <a:off x="6574736" y="6000768"/>
+            <a:ext cx="2214119" cy="593531"/>
+          </a:xfrm>
+          <a:prstGeom prst="rect">
+            <a:avLst/>
+          </a:prstGeom>
+        </p:spPr>
+      </p:pic>
+    </p:spTree>
+  </p:cSld>
+  <p:clrMapOvr>
+    <a:masterClrMapping/>
+  </p:clrMapOvr>
+</p:sld>
+</file>
+
+<file path=ppt/slides/slide9.xml><?xml version="1.0" encoding="utf-8"?>
+<p:sld xmlns:a="http://schemas.openxmlformats.org/drawingml/2006/main" xmlns:r="http://schemas.openxmlformats.org/officeDocument/2006/relationships" xmlns:p="http://schemas.openxmlformats.org/presentationml/2006/main">
+  <p:cSld>
+    <p:spTree>
+      <p:nvGrpSpPr>
+        <p:cNvPr id="1" name=""/>
+        <p:cNvGrpSpPr/>
+        <p:nvPr/>
+      </p:nvGrpSpPr>
+      <p:grpSpPr>
+        <a:xfrm>
+          <a:off x="0" y="0"/>
+          <a:ext cx="0" cy="0"/>
+          <a:chOff x="0" y="0"/>
+          <a:chExt cx="0" cy="0"/>
+        </a:xfrm>
+      </p:grpSpPr>
+      <p:sp>
+        <p:nvSpPr>
+          <p:cNvPr id="2" name="Título 1"/>
+          <p:cNvSpPr>
+            <a:spLocks noGrp="1"/>
+          </p:cNvSpPr>
+          <p:nvPr>
+            <p:ph type="title"/>
+          </p:nvPr>
+        </p:nvSpPr>
+        <p:spPr/>
+        <p:txBody>
+          <a:bodyPr/>
+          <a:lstStyle/>
+          <a:p>
+            <a:r>
+              <a:rPr lang="pt-BR" dirty="0" smtClean="0"/>
+              <a:t>Power Bi Online</a:t>
+            </a:r>
+            <a:endParaRPr lang="pt-BR" dirty="0"/>
+          </a:p>
+        </p:txBody>
+      </p:sp>
       <p:sp>
         <p:nvSpPr>
           <p:cNvPr id="3" name="Espaço Reservado para Conteúdo 2"/>
@@ -3467,61 +4405,94 @@
             <p:ph idx="1"/>
           </p:nvPr>
         </p:nvSpPr>
-        <p:spPr/>
-        <p:txBody>
-          <a:bodyPr/>
-          <a:lstStyle/>
-          <a:p>
-            <a:pPr algn="just"/>
-            <a:r>
-              <a:rPr lang="pt-BR" dirty="0" smtClean="0"/>
-              <a:t>Elvis de Andrade Santos</a:t>
-            </a:r>
-          </a:p>
-          <a:p>
-            <a:pPr algn="just"/>
-            <a:r>
-              <a:rPr lang="pt-BR" dirty="0" smtClean="0"/>
-              <a:t>Guilherme Santiago </a:t>
-            </a:r>
-            <a:r>
-              <a:rPr lang="pt-BR" dirty="0" err="1" smtClean="0"/>
-              <a:t>Beluci</a:t>
-            </a:r>
-            <a:r>
-              <a:rPr lang="pt-BR" dirty="0" smtClean="0"/>
-              <a:t> da Silva </a:t>
-            </a:r>
-          </a:p>
-          <a:p>
-            <a:pPr algn="just"/>
-            <a:r>
-              <a:rPr lang="pt-BR" dirty="0" smtClean="0"/>
-              <a:t>Vinicius </a:t>
-            </a:r>
-            <a:r>
-              <a:rPr lang="pt-BR" dirty="0" err="1" smtClean="0"/>
-              <a:t>Zanatta</a:t>
-            </a:r>
-            <a:r>
-              <a:rPr lang="pt-BR" dirty="0" smtClean="0"/>
-              <a:t> de Andrade </a:t>
-            </a:r>
-          </a:p>
-          <a:p>
-            <a:pPr algn="just"/>
-            <a:r>
-              <a:rPr lang="pt-BR" dirty="0" smtClean="0"/>
-              <a:t>Matheus </a:t>
-            </a:r>
-            <a:r>
-              <a:rPr lang="pt-BR" dirty="0" err="1" smtClean="0"/>
-              <a:t>Brancalhão</a:t>
+        <p:spPr>
+          <a:xfrm>
+            <a:off x="1214414" y="1643050"/>
+            <a:ext cx="6543692" cy="542916"/>
+          </a:xfrm>
+        </p:spPr>
+        <p:txBody>
+          <a:bodyPr>
+            <a:normAutofit lnSpcReduction="10000"/>
+          </a:bodyPr>
+          <a:lstStyle/>
+          <a:p>
+            <a:pPr>
+              <a:buNone/>
+            </a:pPr>
+            <a:r>
+              <a:rPr lang="en-US" dirty="0" err="1" smtClean="0">
+                <a:hlinkClick r:id="rId2"/>
+              </a:rPr>
+              <a:t>Cyrela</a:t>
+            </a:r>
+            <a:r>
+              <a:rPr lang="en-US" dirty="0" smtClean="0">
+                <a:hlinkClick r:id="rId2"/>
+              </a:rPr>
+              <a:t> Dashboard - Power BI Online</a:t>
             </a:r>
             <a:endParaRPr lang="pt-BR" dirty="0"/>
           </a:p>
         </p:txBody>
       </p:sp>
+      <p:pic>
+        <p:nvPicPr>
+          <p:cNvPr id="4" name="Espaço Reservado para Conteúdo 3" descr="cyrela-logo.png"/>
+          <p:cNvPicPr>
+            <a:picLocks noChangeAspect="1"/>
+          </p:cNvPicPr>
+          <p:nvPr/>
+        </p:nvPicPr>
+        <p:blipFill>
+          <a:blip r:embed="rId3" cstate="print"/>
+          <a:stretch>
+            <a:fillRect/>
+          </a:stretch>
+        </p:blipFill>
+        <p:spPr>
+          <a:xfrm>
+            <a:off x="6574736" y="6000768"/>
+            <a:ext cx="2214119" cy="593531"/>
+          </a:xfrm>
+          <a:prstGeom prst="rect">
+            <a:avLst/>
+          </a:prstGeom>
+        </p:spPr>
+      </p:pic>
+      <p:pic>
+        <p:nvPicPr>
+          <p:cNvPr id="6147" name="Picture 3"/>
+          <p:cNvPicPr>
+            <a:picLocks noChangeAspect="1" noChangeArrowheads="1"/>
+          </p:cNvPicPr>
+          <p:nvPr/>
+        </p:nvPicPr>
+        <p:blipFill>
+          <a:blip r:embed="rId4"/>
+          <a:srcRect/>
+          <a:stretch>
+            <a:fillRect/>
+          </a:stretch>
+        </p:blipFill>
+        <p:spPr bwMode="auto">
+          <a:xfrm>
+            <a:off x="1785918" y="2643182"/>
+            <a:ext cx="5534402" cy="2928958"/>
+          </a:xfrm>
+          <a:prstGeom prst="rect">
+            <a:avLst/>
+          </a:prstGeom>
+          <a:noFill/>
+          <a:ln w="9525">
+            <a:noFill/>
+            <a:miter lim="800000"/>
+            <a:headEnd/>
+            <a:tailEnd/>
+          </a:ln>
+          <a:effectLst/>
+        </p:spPr>
+      </p:pic>
     </p:spTree>
   </p:cSld>
   <p:clrMapOvr>
